--- a/episode7/media/slides-episode-07.pptx
+++ b/episode7/media/slides-episode-07.pptx
@@ -364,10 +364,10 @@
                 <c:formatCode>General</c:formatCode>
                 <c:ptCount val="2"/>
                 <c:pt idx="0">
-                  <c:v>15</c:v>
+                  <c:v>7</c:v>
                 </c:pt>
                 <c:pt idx="1">
-                  <c:v>2</c:v>
+                  <c:v>0</c:v>
                 </c:pt>
               </c:numCache>
             </c:numRef>
@@ -627,10 +627,10 @@
           </c:dLbls>
           <c:val>
             <c:numRef>
-              <c:f>Data!$B$2:$B$6</c:f>
+              <c:f>Data!$B$2:$B$7</c:f>
               <c:numCache>
                 <c:formatCode>General</c:formatCode>
-                <c:ptCount val="5"/>
+                <c:ptCount val="6"/>
                 <c:pt idx="0">
                   <c:v>1</c:v>
                 </c:pt>
@@ -646,12 +646,15 @@
                 <c:pt idx="4">
                   <c:v>2</c:v>
                 </c:pt>
+                <c:pt idx="5">
+                  <c:v>4</c:v>
+                </c:pt>
               </c:numCache>
             </c:numRef>
           </c:val>
           <c:extLst>
             <c:ext xmlns:c16="http://schemas.microsoft.com/office/drawing/2014/chart" uri="{C3380CC4-5D6E-409C-BE32-E72D297353CC}">
-              <c16:uniqueId val="{00000000-7513-48CE-B527-6C28D2D50E3C}"/>
+              <c16:uniqueId val="{00000000-43FE-4B17-A9CD-8BEB332A4AB4}"/>
             </c:ext>
           </c:extLst>
         </c:ser>
@@ -742,10 +745,10 @@
           </c:dLbls>
           <c:val>
             <c:numRef>
-              <c:f>Data!$C$2:$C$6</c:f>
+              <c:f>Data!$C$2:$C$7</c:f>
               <c:numCache>
                 <c:formatCode>General</c:formatCode>
-                <c:ptCount val="5"/>
+                <c:ptCount val="6"/>
                 <c:pt idx="0">
                   <c:v>24</c:v>
                 </c:pt>
@@ -761,12 +764,15 @@
                 <c:pt idx="4">
                   <c:v>14</c:v>
                 </c:pt>
+                <c:pt idx="5">
+                  <c:v>7</c:v>
+                </c:pt>
               </c:numCache>
             </c:numRef>
           </c:val>
           <c:extLst>
             <c:ext xmlns:c16="http://schemas.microsoft.com/office/drawing/2014/chart" uri="{C3380CC4-5D6E-409C-BE32-E72D297353CC}">
-              <c16:uniqueId val="{00000001-7513-48CE-B527-6C28D2D50E3C}"/>
+              <c16:uniqueId val="{00000001-43FE-4B17-A9CD-8BEB332A4AB4}"/>
             </c:ext>
           </c:extLst>
         </c:ser>
@@ -857,10 +863,10 @@
           </c:dLbls>
           <c:val>
             <c:numRef>
-              <c:f>Data!$D$2:$D$6</c:f>
+              <c:f>Data!$D$2:$D$7</c:f>
               <c:numCache>
                 <c:formatCode>General</c:formatCode>
-                <c:ptCount val="5"/>
+                <c:ptCount val="6"/>
                 <c:pt idx="0">
                   <c:v>0</c:v>
                 </c:pt>
@@ -876,12 +882,15 @@
                 <c:pt idx="4">
                   <c:v>0</c:v>
                 </c:pt>
+                <c:pt idx="5">
+                  <c:v>0</c:v>
+                </c:pt>
               </c:numCache>
             </c:numRef>
           </c:val>
           <c:extLst>
             <c:ext xmlns:c16="http://schemas.microsoft.com/office/drawing/2014/chart" uri="{C3380CC4-5D6E-409C-BE32-E72D297353CC}">
-              <c16:uniqueId val="{00000002-7513-48CE-B527-6C28D2D50E3C}"/>
+              <c16:uniqueId val="{00000002-43FE-4B17-A9CD-8BEB332A4AB4}"/>
             </c:ext>
           </c:extLst>
         </c:ser>
@@ -972,10 +981,10 @@
           </c:dLbls>
           <c:val>
             <c:numRef>
-              <c:f>Data!$E$2:$E$6</c:f>
+              <c:f>Data!$E$2:$E$7</c:f>
               <c:numCache>
                 <c:formatCode>General</c:formatCode>
-                <c:ptCount val="5"/>
+                <c:ptCount val="6"/>
                 <c:pt idx="0">
                   <c:v>0</c:v>
                 </c:pt>
@@ -991,12 +1000,15 @@
                 <c:pt idx="4">
                   <c:v>0</c:v>
                 </c:pt>
+                <c:pt idx="5">
+                  <c:v>0</c:v>
+                </c:pt>
               </c:numCache>
             </c:numRef>
           </c:val>
           <c:extLst>
             <c:ext xmlns:c16="http://schemas.microsoft.com/office/drawing/2014/chart" uri="{C3380CC4-5D6E-409C-BE32-E72D297353CC}">
-              <c16:uniqueId val="{00000003-7513-48CE-B527-6C28D2D50E3C}"/>
+              <c16:uniqueId val="{00000003-43FE-4B17-A9CD-8BEB332A4AB4}"/>
             </c:ext>
           </c:extLst>
         </c:ser>
@@ -1087,10 +1099,10 @@
           </c:dLbls>
           <c:val>
             <c:numRef>
-              <c:f>Data!$F$2:$F$6</c:f>
+              <c:f>Data!$F$2:$F$7</c:f>
               <c:numCache>
                 <c:formatCode>General</c:formatCode>
-                <c:ptCount val="5"/>
+                <c:ptCount val="6"/>
                 <c:pt idx="0">
                   <c:v>3</c:v>
                 </c:pt>
@@ -1106,12 +1118,15 @@
                 <c:pt idx="4">
                   <c:v>2</c:v>
                 </c:pt>
+                <c:pt idx="5">
+                  <c:v>2</c:v>
+                </c:pt>
               </c:numCache>
             </c:numRef>
           </c:val>
           <c:extLst>
             <c:ext xmlns:c16="http://schemas.microsoft.com/office/drawing/2014/chart" uri="{C3380CC4-5D6E-409C-BE32-E72D297353CC}">
-              <c16:uniqueId val="{00000004-7513-48CE-B527-6C28D2D50E3C}"/>
+              <c16:uniqueId val="{00000004-43FE-4B17-A9CD-8BEB332A4AB4}"/>
             </c:ext>
           </c:extLst>
         </c:ser>
@@ -1488,9 +1503,9 @@
           </c:dLbls>
           <c:cat>
             <c:strRef>
-              <c:f>Data!$A$2:$A$6</c:f>
+              <c:f>Data!$A$2:$A$7</c:f>
               <c:strCache>
-                <c:ptCount val="5"/>
+                <c:ptCount val="6"/>
                 <c:pt idx="0">
                   <c:v>EP 01</c:v>
                 </c:pt>
@@ -1506,15 +1521,18 @@
                 <c:pt idx="4">
                   <c:v>EP05</c:v>
                 </c:pt>
+                <c:pt idx="5">
+                  <c:v>EP06</c:v>
+                </c:pt>
               </c:strCache>
             </c:strRef>
           </c:cat>
           <c:val>
             <c:numRef>
-              <c:f>Data!$B$2:$B$6</c:f>
+              <c:f>Data!$B$2:$B$7</c:f>
               <c:numCache>
                 <c:formatCode>General</c:formatCode>
-                <c:ptCount val="5"/>
+                <c:ptCount val="6"/>
                 <c:pt idx="0">
                   <c:v>1</c:v>
                 </c:pt>
@@ -1530,13 +1548,16 @@
                 <c:pt idx="4">
                   <c:v>2</c:v>
                 </c:pt>
+                <c:pt idx="5">
+                  <c:v>4</c:v>
+                </c:pt>
               </c:numCache>
             </c:numRef>
           </c:val>
           <c:smooth val="0"/>
           <c:extLst>
             <c:ext xmlns:c16="http://schemas.microsoft.com/office/drawing/2014/chart" uri="{C3380CC4-5D6E-409C-BE32-E72D297353CC}">
-              <c16:uniqueId val="{00000000-E9F3-4D65-ADCC-3E2809DC2E67}"/>
+              <c16:uniqueId val="{00000000-6644-4DB5-A2AF-D525717912A5}"/>
             </c:ext>
           </c:extLst>
         </c:ser>
@@ -1632,9 +1653,9 @@
           </c:dLbls>
           <c:cat>
             <c:strRef>
-              <c:f>Data!$A$2:$A$6</c:f>
+              <c:f>Data!$A$2:$A$7</c:f>
               <c:strCache>
-                <c:ptCount val="5"/>
+                <c:ptCount val="6"/>
                 <c:pt idx="0">
                   <c:v>EP 01</c:v>
                 </c:pt>
@@ -1650,15 +1671,18 @@
                 <c:pt idx="4">
                   <c:v>EP05</c:v>
                 </c:pt>
+                <c:pt idx="5">
+                  <c:v>EP06</c:v>
+                </c:pt>
               </c:strCache>
             </c:strRef>
           </c:cat>
           <c:val>
             <c:numRef>
-              <c:f>Data!$C$2:$C$6</c:f>
+              <c:f>Data!$C$2:$C$7</c:f>
               <c:numCache>
                 <c:formatCode>General</c:formatCode>
-                <c:ptCount val="5"/>
+                <c:ptCount val="6"/>
                 <c:pt idx="0">
                   <c:v>24</c:v>
                 </c:pt>
@@ -1674,13 +1698,16 @@
                 <c:pt idx="4">
                   <c:v>14</c:v>
                 </c:pt>
+                <c:pt idx="5">
+                  <c:v>7</c:v>
+                </c:pt>
               </c:numCache>
             </c:numRef>
           </c:val>
           <c:smooth val="0"/>
           <c:extLst>
             <c:ext xmlns:c16="http://schemas.microsoft.com/office/drawing/2014/chart" uri="{C3380CC4-5D6E-409C-BE32-E72D297353CC}">
-              <c16:uniqueId val="{00000001-E9F3-4D65-ADCC-3E2809DC2E67}"/>
+              <c16:uniqueId val="{00000001-6644-4DB5-A2AF-D525717912A5}"/>
             </c:ext>
           </c:extLst>
         </c:ser>
@@ -2055,10 +2082,10 @@
           </c:dLbls>
           <c:val>
             <c:numRef>
-              <c:f>Data!$G$2:$G$6</c:f>
+              <c:f>Data!$G$2:$G$7</c:f>
               <c:numCache>
                 <c:formatCode>General</c:formatCode>
-                <c:ptCount val="5"/>
+                <c:ptCount val="6"/>
                 <c:pt idx="0">
                   <c:v>33</c:v>
                 </c:pt>
@@ -2074,12 +2101,15 @@
                 <c:pt idx="4">
                   <c:v>128</c:v>
                 </c:pt>
+                <c:pt idx="5">
+                  <c:v>135</c:v>
+                </c:pt>
               </c:numCache>
             </c:numRef>
           </c:val>
           <c:extLst>
             <c:ext xmlns:c16="http://schemas.microsoft.com/office/drawing/2014/chart" uri="{C3380CC4-5D6E-409C-BE32-E72D297353CC}">
-              <c16:uniqueId val="{00000000-C8AA-43F8-9FAA-CDAF8CB6B54F}"/>
+              <c16:uniqueId val="{00000000-1C15-464E-82D3-58E7ADCE20A1}"/>
             </c:ext>
           </c:extLst>
         </c:ser>
@@ -12978,14 +13008,14 @@
             <a:pPr lvl="1"/>
             <a:r>
               <a:rPr lang="en-US" sz="2800" dirty="0"/>
-              <a:t>Twitch: 12 (-3)</a:t>
+              <a:t>Twitch: 7 (-5)</a:t>
             </a:r>
           </a:p>
           <a:p>
             <a:pPr lvl="1"/>
             <a:r>
               <a:rPr lang="en-US" sz="2800" dirty="0"/>
-              <a:t>YouTube: 2 (+1)</a:t>
+              <a:t>YouTube: 0 (-2)</a:t>
             </a:r>
           </a:p>
           <a:p>
@@ -13021,7 +13051,7 @@
             <p:ph sz="half" idx="2"/>
             <p:extLst>
               <p:ext uri="{D42A27DB-BD31-4B8C-83A1-F6EECF244321}">
-                <p14:modId xmlns:p14="http://schemas.microsoft.com/office/powerpoint/2010/main" val="1986480229"/>
+                <p14:modId xmlns:p14="http://schemas.microsoft.com/office/powerpoint/2010/main" val="4132203384"/>
               </p:ext>
             </p:extLst>
           </p:nvPr>
@@ -13426,7 +13456,7 @@
       </p:sp>
       <p:graphicFrame>
         <p:nvGraphicFramePr>
-          <p:cNvPr id="9" name="Content Placeholder 8">
+          <p:cNvPr id="10" name="Content Placeholder 9">
             <a:extLst>
               <a:ext uri="{FF2B5EF4-FFF2-40B4-BE49-F238E27FC236}">
                 <a16:creationId xmlns:a16="http://schemas.microsoft.com/office/drawing/2014/main" id="{BBE7A64A-D636-4092-A1D9-51738E950101}"/>
@@ -13665,7 +13695,7 @@
       </p:sp>
       <p:graphicFrame>
         <p:nvGraphicFramePr>
-          <p:cNvPr id="12" name="Content Placeholder 11">
+          <p:cNvPr id="9" name="Content Placeholder 8">
             <a:extLst>
               <a:ext uri="{FF2B5EF4-FFF2-40B4-BE49-F238E27FC236}">
                 <a16:creationId xmlns:a16="http://schemas.microsoft.com/office/drawing/2014/main" id="{4D382D66-024A-4373-BCC5-C8DAF2C771CA}"/>
@@ -13904,7 +13934,7 @@
       </p:sp>
       <p:graphicFrame>
         <p:nvGraphicFramePr>
-          <p:cNvPr id="11" name="Content Placeholder 10">
+          <p:cNvPr id="10" name="Content Placeholder 9">
             <a:extLst>
               <a:ext uri="{FF2B5EF4-FFF2-40B4-BE49-F238E27FC236}">
                 <a16:creationId xmlns:a16="http://schemas.microsoft.com/office/drawing/2014/main" id="{2D639848-0BAF-4883-B3C1-3DC690B98E4F}"/>

--- a/episode7/media/slides-episode-07.pptx
+++ b/episode7/media/slides-episode-07.pptx
@@ -5447,7 +5447,7 @@
                 </a:solidFill>
                 <a:latin typeface="Consolas (Headings)"/>
               </a:rPr>
-              <a:t>Episode 06</a:t>
+              <a:t>Episode 07</a:t>
             </a:r>
             <a:endParaRPr lang="LID4096" sz="3200" dirty="0">
               <a:solidFill>
@@ -9815,13 +9815,13 @@
         </p:spPr>
         <p:txBody>
           <a:bodyPr>
-            <a:normAutofit/>
+            <a:normAutofit fontScale="90000"/>
           </a:bodyPr>
           <a:lstStyle/>
           <a:p>
             <a:r>
               <a:rPr lang="en-AU" dirty="0"/>
-              <a:t>Going Live!</a:t>
+              <a:t>Be seated in the lobby</a:t>
             </a:r>
           </a:p>
         </p:txBody>
